--- a/CAIM CB R3 - Return Attribution.pptx
+++ b/CAIM CB R3 - Return Attribution.pptx
@@ -208,7 +208,7 @@
           <a:p>
             <a:fld id="{0D5BF13E-0A9F-7A42-B666-707E8C2C3FC9}" type="datetimeFigureOut">
               <a:rPr lang="en-US" smtClean="0"/>
-              <a:t>11/11/2024</a:t>
+              <a:t>11/26/2024</a:t>
             </a:fld>
             <a:endParaRPr lang="en-US"/>
           </a:p>
@@ -1115,7 +1115,7 @@
           <a:p>
             <a:fld id="{C214F419-8DDC-EA48-BD24-CF9CA5C03B01}" type="datetime3">
               <a:rPr lang="en-US" smtClean="0"/>
-              <a:t>11 November 2024</a:t>
+              <a:t>26 November 2024</a:t>
             </a:fld>
             <a:endParaRPr lang="en-US" dirty="0"/>
           </a:p>
@@ -1783,7 +1783,7 @@
           <a:p>
             <a:fld id="{C214F419-8DDC-EA48-BD24-CF9CA5C03B01}" type="datetime3">
               <a:rPr lang="en-US" smtClean="0"/>
-              <a:t>11 November 2024</a:t>
+              <a:t>26 November 2024</a:t>
             </a:fld>
             <a:endParaRPr lang="en-US" dirty="0"/>
           </a:p>
@@ -2262,7 +2262,7 @@
           <a:p>
             <a:fld id="{C214F419-8DDC-EA48-BD24-CF9CA5C03B01}" type="datetime3">
               <a:rPr lang="en-US" smtClean="0"/>
-              <a:t>11 November 2024</a:t>
+              <a:t>26 November 2024</a:t>
             </a:fld>
             <a:endParaRPr lang="en-US" dirty="0"/>
           </a:p>
@@ -2864,7 +2864,7 @@
           <a:p>
             <a:fld id="{C214F419-8DDC-EA48-BD24-CF9CA5C03B01}" type="datetime3">
               <a:rPr lang="en-US" smtClean="0"/>
-              <a:t>11 November 2024</a:t>
+              <a:t>26 November 2024</a:t>
             </a:fld>
             <a:endParaRPr lang="en-US" dirty="0"/>
           </a:p>
@@ -3405,7 +3405,7 @@
           <a:p>
             <a:fld id="{C214F419-8DDC-EA48-BD24-CF9CA5C03B01}" type="datetime3">
               <a:rPr lang="en-US" smtClean="0"/>
-              <a:t>11 November 2024</a:t>
+              <a:t>26 November 2024</a:t>
             </a:fld>
             <a:endParaRPr lang="en-US" dirty="0"/>
           </a:p>
@@ -3884,7 +3884,7 @@
           <a:p>
             <a:fld id="{C214F419-8DDC-EA48-BD24-CF9CA5C03B01}" type="datetime3">
               <a:rPr lang="en-US" smtClean="0"/>
-              <a:t>11 November 2024</a:t>
+              <a:t>26 November 2024</a:t>
             </a:fld>
             <a:endParaRPr lang="en-US" dirty="0"/>
           </a:p>
@@ -4486,7 +4486,7 @@
           <a:p>
             <a:fld id="{C214F419-8DDC-EA48-BD24-CF9CA5C03B01}" type="datetime3">
               <a:rPr lang="en-US" smtClean="0"/>
-              <a:t>11 November 2024</a:t>
+              <a:t>26 November 2024</a:t>
             </a:fld>
             <a:endParaRPr lang="en-US" dirty="0"/>
           </a:p>
@@ -5027,7 +5027,7 @@
           <a:p>
             <a:fld id="{C214F419-8DDC-EA48-BD24-CF9CA5C03B01}" type="datetime3">
               <a:rPr lang="en-US" smtClean="0"/>
-              <a:t>11 November 2024</a:t>
+              <a:t>26 November 2024</a:t>
             </a:fld>
             <a:endParaRPr lang="en-US" dirty="0"/>
           </a:p>
@@ -5446,7 +5446,7 @@
           <a:p>
             <a:fld id="{C214F419-8DDC-EA48-BD24-CF9CA5C03B01}" type="datetime3">
               <a:rPr lang="en-US" smtClean="0"/>
-              <a:t>11 November 2024</a:t>
+              <a:t>26 November 2024</a:t>
             </a:fld>
             <a:endParaRPr lang="en-US" dirty="0"/>
           </a:p>
@@ -6126,7 +6126,7 @@
           <a:p>
             <a:fld id="{C214F419-8DDC-EA48-BD24-CF9CA5C03B01}" type="datetime3">
               <a:rPr lang="en-US" smtClean="0"/>
-              <a:t>11 November 2024</a:t>
+              <a:t>26 November 2024</a:t>
             </a:fld>
             <a:endParaRPr lang="en-US" dirty="0"/>
           </a:p>
@@ -7424,7 +7424,7 @@
             <a:fld id="{97556E8B-0A47-5B4E-9FDB-B8A05728CEB8}" type="datetime3">
               <a:rPr lang="en-US" smtClean="0"/>
               <a:pPr/>
-              <a:t>11 November 2024</a:t>
+              <a:t>26 November 2024</a:t>
             </a:fld>
             <a:endParaRPr lang="en-US" dirty="0"/>
           </a:p>
@@ -7628,7 +7628,7 @@
             <a:fld id="{97556E8B-0A47-5B4E-9FDB-B8A05728CEB8}" type="datetime3">
               <a:rPr lang="en-US" smtClean="0"/>
               <a:pPr/>
-              <a:t>11 November 2024</a:t>
+              <a:t>26 November 2024</a:t>
             </a:fld>
             <a:endParaRPr lang="en-US" dirty="0"/>
           </a:p>
@@ -7779,7 +7779,7 @@
             <a:fld id="{97556E8B-0A47-5B4E-9FDB-B8A05728CEB8}" type="datetime3">
               <a:rPr lang="en-US" smtClean="0"/>
               <a:pPr/>
-              <a:t>11 November 2024</a:t>
+              <a:t>26 November 2024</a:t>
             </a:fld>
             <a:endParaRPr lang="en-US" dirty="0"/>
           </a:p>
@@ -7966,7 +7966,7 @@
             <a:fld id="{97556E8B-0A47-5B4E-9FDB-B8A05728CEB8}" type="datetime3">
               <a:rPr lang="en-US" smtClean="0"/>
               <a:pPr/>
-              <a:t>11 November 2024</a:t>
+              <a:t>26 November 2024</a:t>
             </a:fld>
             <a:endParaRPr lang="en-US" dirty="0"/>
           </a:p>
@@ -8261,7 +8261,7 @@
             <a:fld id="{97556E8B-0A47-5B4E-9FDB-B8A05728CEB8}" type="datetime3">
               <a:rPr lang="en-US" smtClean="0"/>
               <a:pPr/>
-              <a:t>11 November 2024</a:t>
+              <a:t>26 November 2024</a:t>
             </a:fld>
             <a:endParaRPr lang="en-US" dirty="0"/>
           </a:p>
@@ -14002,7 +14002,7 @@
           <a:p>
             <a:fld id="{C214F419-8DDC-EA48-BD24-CF9CA5C03B01}" type="datetime3">
               <a:rPr lang="en-US" smtClean="0"/>
-              <a:t>11 November 2024</a:t>
+              <a:t>26 November 2024</a:t>
             </a:fld>
             <a:endParaRPr lang="en-US" dirty="0"/>
           </a:p>
@@ -14832,7 +14832,7 @@
           <a:p>
             <a:fld id="{C214F419-8DDC-EA48-BD24-CF9CA5C03B01}" type="datetime3">
               <a:rPr lang="en-US" smtClean="0"/>
-              <a:t>11 November 2024</a:t>
+              <a:t>26 November 2024</a:t>
             </a:fld>
             <a:endParaRPr lang="en-US" dirty="0"/>
           </a:p>
@@ -15211,7 +15211,7 @@
           <a:p>
             <a:fld id="{C214F419-8DDC-EA48-BD24-CF9CA5C03B01}" type="datetime3">
               <a:rPr lang="en-US" smtClean="0"/>
-              <a:t>11 November 2024</a:t>
+              <a:t>26 November 2024</a:t>
             </a:fld>
             <a:endParaRPr lang="en-US" dirty="0"/>
           </a:p>
@@ -15651,7 +15651,7 @@
           <a:p>
             <a:fld id="{C214F419-8DDC-EA48-BD24-CF9CA5C03B01}" type="datetime3">
               <a:rPr lang="en-US" smtClean="0"/>
-              <a:t>11 November 2024</a:t>
+              <a:t>26 November 2024</a:t>
             </a:fld>
             <a:endParaRPr lang="en-US" dirty="0"/>
           </a:p>
@@ -16196,7 +16196,7 @@
           <a:p>
             <a:fld id="{C214F419-8DDC-EA48-BD24-CF9CA5C03B01}" type="datetime3">
               <a:rPr lang="en-US" smtClean="0"/>
-              <a:t>11 November 2024</a:t>
+              <a:t>26 November 2024</a:t>
             </a:fld>
             <a:endParaRPr lang="en-US" dirty="0"/>
           </a:p>
@@ -16862,7 +16862,7 @@
           <a:p>
             <a:fld id="{C214F419-8DDC-EA48-BD24-CF9CA5C03B01}" type="datetime3">
               <a:rPr lang="en-US" smtClean="0"/>
-              <a:t>11 November 2024</a:t>
+              <a:t>26 November 2024</a:t>
             </a:fld>
             <a:endParaRPr lang="en-US" dirty="0"/>
           </a:p>
@@ -17407,7 +17407,7 @@
           <a:p>
             <a:fld id="{C214F419-8DDC-EA48-BD24-CF9CA5C03B01}" type="datetime3">
               <a:rPr lang="en-US" smtClean="0"/>
-              <a:t>11 November 2024</a:t>
+              <a:t>26 November 2024</a:t>
             </a:fld>
             <a:endParaRPr lang="en-US" dirty="0"/>
           </a:p>
@@ -18074,7 +18074,7 @@
           <a:p>
             <a:fld id="{C214F419-8DDC-EA48-BD24-CF9CA5C03B01}" type="datetime3">
               <a:rPr lang="en-US" smtClean="0"/>
-              <a:t>11 November 2024</a:t>
+              <a:t>26 November 2024</a:t>
             </a:fld>
             <a:endParaRPr lang="en-US" dirty="0"/>
           </a:p>
@@ -18834,7 +18834,7 @@
             <a:fld id="{97556E8B-0A47-5B4E-9FDB-B8A05728CEB8}" type="datetime3">
               <a:rPr lang="en-US" smtClean="0"/>
               <a:pPr/>
-              <a:t>11 November 2024</a:t>
+              <a:t>26 November 2024</a:t>
             </a:fld>
             <a:endParaRPr lang="en-US" dirty="0"/>
           </a:p>
@@ -31653,6 +31653,11 @@
           </p:cNvGraphicFramePr>
           <p:nvPr>
             <p:ph sz="quarter" idx="18"/>
+            <p:extLst>
+              <p:ext uri="{D42A27DB-BD31-4B8C-83A1-F6EECF244321}">
+                <p14:modId xmlns:p14="http://schemas.microsoft.com/office/powerpoint/2010/main" val="2582686048"/>
+              </p:ext>
+            </p:extLst>
           </p:nvPr>
         </p:nvGraphicFramePr>
         <p:xfrm>
@@ -31967,7 +31972,7 @@
                       <a:pPr algn="ctr"/>
                       <a:r>
                         <a:rPr lang="en-GB" sz="1200" dirty="0"/>
-                        <a:t>(25 – 20) x (-2 – 8.2) = -0.5</a:t>
+                        <a:t>(25 – 20) x (-2 – 8.2) = -0.51</a:t>
                       </a:r>
                     </a:p>
                   </a:txBody>
@@ -32061,7 +32066,7 @@
                             <a:srgbClr val="FFFF00"/>
                           </a:highlight>
                         </a:rPr>
-                        <a:t>(5) X (4 – 8.2) = -0.2</a:t>
+                        <a:t>(5) X (4 – 8.2) = -0.21</a:t>
                       </a:r>
                     </a:p>
                   </a:txBody>
@@ -32167,7 +32172,7 @@
                       </a:pPr>
                       <a:r>
                         <a:rPr lang="en-GB" sz="1200" dirty="0"/>
-                        <a:t>(20 – 30) x (12 – 8.2) = -0.4</a:t>
+                        <a:t>(20 – 30) x (12 – 8.2) = -0.38</a:t>
                       </a:r>
                     </a:p>
                   </a:txBody>
@@ -32215,7 +32220,7 @@
                       <a:pPr algn="ctr"/>
                       <a:r>
                         <a:rPr lang="en-GB" sz="1200" b="1" dirty="0"/>
-                        <a:t>10.5</a:t>
+                        <a:t>10.45</a:t>
                       </a:r>
                     </a:p>
                   </a:txBody>
@@ -32273,7 +32278,7 @@
                       </a:pPr>
                       <a:r>
                         <a:rPr lang="en-GB" sz="1200" b="1" dirty="0"/>
-                        <a:t>0.0 + -0.5 + -0.2 + -0.4 = -1.1</a:t>
+                        <a:t>0.0 + -0.51 + -0.21 + -0.38 = -1.1</a:t>
                       </a:r>
                     </a:p>
                   </a:txBody>
@@ -35302,6 +35307,11 @@
           </p:cNvGraphicFramePr>
           <p:nvPr>
             <p:ph sz="quarter" idx="18"/>
+            <p:extLst>
+              <p:ext uri="{D42A27DB-BD31-4B8C-83A1-F6EECF244321}">
+                <p14:modId xmlns:p14="http://schemas.microsoft.com/office/powerpoint/2010/main" val="387210545"/>
+              </p:ext>
+            </p:extLst>
           </p:nvPr>
         </p:nvGraphicFramePr>
         <p:xfrm>
@@ -35848,7 +35858,7 @@
                       <a:pPr algn="ctr"/>
                       <a:r>
                         <a:rPr lang="en-GB" sz="1200" b="1" dirty="0"/>
-                        <a:t>10.5</a:t>
+                        <a:t>10.45</a:t>
                       </a:r>
                     </a:p>
                   </a:txBody>
@@ -40780,6 +40790,12 @@
 </file>
 
 <file path=customXml/item1.xml><?xml version="1.0" encoding="utf-8"?>
+<p:properties xmlns:p="http://schemas.microsoft.com/office/2006/metadata/properties" xmlns:xsi="http://www.w3.org/2001/XMLSchema-instance" xmlns:pc="http://schemas.microsoft.com/office/infopath/2007/PartnerControls">
+  <documentManagement/>
+</p:properties>
+</file>
+
+<file path=customXml/item2.xml><?xml version="1.0" encoding="utf-8"?>
 <ct:contentTypeSchema xmlns:ct="http://schemas.microsoft.com/office/2006/metadata/contentType" xmlns:ma="http://schemas.microsoft.com/office/2006/metadata/properties/metaAttributes" ct:_="" ma:_="" ma:contentTypeName="Document" ma:contentTypeID="0x0101000A68072A6084CD4F91BAAE6C620D7BEF" ma:contentTypeVersion="6" ma:contentTypeDescription="Create a new document." ma:contentTypeScope="" ma:versionID="d643f4c24d09188bd26061b55196d7a1">
   <xsd:schema xmlns:xsd="http://www.w3.org/2001/XMLSchema" xmlns:xs="http://www.w3.org/2001/XMLSchema" xmlns:p="http://schemas.microsoft.com/office/2006/metadata/properties" xmlns:ns2="909f915b-ce8e-490f-99f5-b5325376a70b" xmlns:ns3="6a327845-9b51-4b97-9d66-4acf00a098f1" targetNamespace="http://schemas.microsoft.com/office/2006/metadata/properties" ma:root="true" ma:fieldsID="a88ba98809e1f1563bcfa89b61229402" ns2:_="" ns3:_="">
     <xsd:import namespace="909f915b-ce8e-490f-99f5-b5325376a70b"/>
@@ -40956,12 +40972,6 @@
 </ct:contentTypeSchema>
 </file>
 
-<file path=customXml/item2.xml><?xml version="1.0" encoding="utf-8"?>
-<p:properties xmlns:p="http://schemas.microsoft.com/office/2006/metadata/properties" xmlns:xsi="http://www.w3.org/2001/XMLSchema-instance" xmlns:pc="http://schemas.microsoft.com/office/infopath/2007/PartnerControls">
-  <documentManagement/>
-</p:properties>
-</file>
-
 <file path=customXml/item3.xml><?xml version="1.0" encoding="utf-8"?>
 <?mso-contentType ?>
 <FormTemplates xmlns="http://schemas.microsoft.com/sharepoint/v3/contenttype/forms">
@@ -40972,6 +40982,15 @@
 </file>
 
 <file path=customXml/itemProps1.xml><?xml version="1.0" encoding="utf-8"?>
+<ds:datastoreItem xmlns:ds="http://schemas.openxmlformats.org/officeDocument/2006/customXml" ds:itemID="{BF1D77C4-53CF-4935-B2BE-B99D7E98967A}">
+  <ds:schemaRefs>
+    <ds:schemaRef ds:uri="http://schemas.microsoft.com/office/2006/metadata/properties"/>
+    <ds:schemaRef ds:uri="http://schemas.microsoft.com/office/infopath/2007/PartnerControls"/>
+  </ds:schemaRefs>
+</ds:datastoreItem>
+</file>
+
+<file path=customXml/itemProps2.xml><?xml version="1.0" encoding="utf-8"?>
 <ds:datastoreItem xmlns:ds="http://schemas.openxmlformats.org/officeDocument/2006/customXml" ds:itemID="{57268D61-36D9-4E59-94DF-082A323EBB10}">
   <ds:schemaRefs>
     <ds:schemaRef ds:uri="http://schemas.microsoft.com/office/2006/metadata/contentType"/>
@@ -40990,15 +41009,6 @@
 </ds:datastoreItem>
 </file>
 
-<file path=customXml/itemProps2.xml><?xml version="1.0" encoding="utf-8"?>
-<ds:datastoreItem xmlns:ds="http://schemas.openxmlformats.org/officeDocument/2006/customXml" ds:itemID="{BF1D77C4-53CF-4935-B2BE-B99D7E98967A}">
-  <ds:schemaRefs>
-    <ds:schemaRef ds:uri="http://schemas.microsoft.com/office/2006/metadata/properties"/>
-    <ds:schemaRef ds:uri="http://schemas.microsoft.com/office/infopath/2007/PartnerControls"/>
-  </ds:schemaRefs>
-</ds:datastoreItem>
-</file>
-
 <file path=customXml/itemProps3.xml><?xml version="1.0" encoding="utf-8"?>
 <ds:datastoreItem xmlns:ds="http://schemas.openxmlformats.org/officeDocument/2006/customXml" ds:itemID="{CA070CFF-E22D-4D8D-8BDC-2C0378AE2133}">
   <ds:schemaRefs>
